--- a/presentation.pptx
+++ b/presentation.pptx
@@ -219,7 +219,7 @@
           <a:p>
             <a:fld id="{D243FA2B-D744-124A-86D0-A2221894FFA4}" type="datetimeFigureOut">
               <a:rPr kumimoji="1" lang="zh-CN" altLang="en-US" smtClean="0"/>
-              <a:t>2025/12/5</a:t>
+              <a:t>2025/12/6</a:t>
             </a:fld>
             <a:endParaRPr kumimoji="1" lang="zh-CN" altLang="en-US"/>
           </a:p>
@@ -759,14 +759,116 @@
           <a:lstStyle/>
           <a:p>
             <a:r>
-              <a:rPr kumimoji="1" lang="en-US" altLang="zh-CN" dirty="0"/>
-              <a:t>And the quality of output image are very similar.</a:t>
-            </a:r>
-          </a:p>
-          <a:p>
-            <a:r>
-              <a:rPr kumimoji="1" lang="en-US" altLang="zh-CN" dirty="0"/>
-              <a:t>But lightweight versions are more likely to produce checkerboard-distributed red spots in yellow circle areas.</a:t>
+              <a:rPr lang="da-DK" altLang="zh-CN" dirty="0"/>
+              <a:t>The </a:t>
+            </a:r>
+            <a:r>
+              <a:rPr lang="da-DK" altLang="zh-CN" dirty="0" err="1"/>
+              <a:t>quality</a:t>
+            </a:r>
+            <a:r>
+              <a:rPr lang="da-DK" altLang="zh-CN" dirty="0"/>
+              <a:t> of the output </a:t>
+            </a:r>
+            <a:r>
+              <a:rPr lang="da-DK" altLang="zh-CN" b="1" dirty="0"/>
+              <a:t>images is</a:t>
+            </a:r>
+            <a:r>
+              <a:rPr lang="da-DK" altLang="zh-CN" dirty="0"/>
+              <a:t> </a:t>
+            </a:r>
+            <a:r>
+              <a:rPr lang="da-DK" altLang="zh-CN" dirty="0" err="1"/>
+              <a:t>very</a:t>
+            </a:r>
+            <a:r>
+              <a:rPr lang="da-DK" altLang="zh-CN" dirty="0"/>
+              <a:t> </a:t>
+            </a:r>
+            <a:r>
+              <a:rPr lang="da-DK" altLang="zh-CN" dirty="0" err="1"/>
+              <a:t>similar</a:t>
+            </a:r>
+            <a:r>
+              <a:rPr lang="da-DK" altLang="zh-CN" dirty="0"/>
+              <a:t>. </a:t>
+            </a:r>
+          </a:p>
+          <a:p>
+            <a:r>
+              <a:rPr lang="da-DK" altLang="zh-CN" dirty="0" err="1"/>
+              <a:t>However</a:t>
+            </a:r>
+            <a:r>
+              <a:rPr lang="da-DK" altLang="zh-CN" dirty="0"/>
+              <a:t>, the </a:t>
+            </a:r>
+            <a:r>
+              <a:rPr lang="da-DK" altLang="zh-CN" dirty="0" err="1"/>
+              <a:t>lightweight</a:t>
+            </a:r>
+            <a:r>
+              <a:rPr lang="da-DK" altLang="zh-CN" dirty="0"/>
+              <a:t> versions </a:t>
+            </a:r>
+            <a:r>
+              <a:rPr lang="da-DK" altLang="zh-CN" dirty="0" err="1"/>
+              <a:t>are</a:t>
+            </a:r>
+            <a:r>
+              <a:rPr lang="da-DK" altLang="zh-CN" dirty="0"/>
+              <a:t> more </a:t>
+            </a:r>
+            <a:r>
+              <a:rPr lang="da-DK" altLang="zh-CN" dirty="0" err="1"/>
+              <a:t>likely</a:t>
+            </a:r>
+            <a:r>
+              <a:rPr lang="da-DK" altLang="zh-CN" dirty="0"/>
+              <a:t> to </a:t>
+            </a:r>
+            <a:r>
+              <a:rPr lang="da-DK" altLang="zh-CN" dirty="0" err="1"/>
+              <a:t>produce</a:t>
+            </a:r>
+            <a:r>
+              <a:rPr lang="da-DK" altLang="zh-CN" dirty="0"/>
+              <a:t> </a:t>
+            </a:r>
+            <a:r>
+              <a:rPr lang="da-DK" altLang="zh-CN" b="1" dirty="0" err="1"/>
+              <a:t>checkerboard</a:t>
+            </a:r>
+            <a:r>
+              <a:rPr lang="da-DK" altLang="zh-CN" b="1" dirty="0"/>
+              <a:t> </a:t>
+            </a:r>
+            <a:r>
+              <a:rPr lang="da-DK" altLang="zh-CN" b="1" dirty="0" err="1"/>
+              <a:t>artifacts</a:t>
+            </a:r>
+            <a:r>
+              <a:rPr lang="da-DK" altLang="zh-CN" dirty="0"/>
+              <a:t>, </a:t>
+            </a:r>
+          </a:p>
+          <a:p>
+            <a:r>
+              <a:rPr lang="da-DK" altLang="zh-CN" dirty="0" err="1"/>
+              <a:t>specifically</a:t>
+            </a:r>
+            <a:r>
+              <a:rPr lang="da-DK" altLang="zh-CN" dirty="0"/>
+              <a:t> the red spots in the </a:t>
+            </a:r>
+            <a:r>
+              <a:rPr lang="da-DK" altLang="zh-CN" dirty="0" err="1"/>
+              <a:t>yellow</a:t>
+            </a:r>
+            <a:r>
+              <a:rPr lang="da-DK" altLang="zh-CN" dirty="0"/>
+              <a:t> regions.</a:t>
             </a:r>
             <a:endParaRPr kumimoji="1" lang="zh-CN" altLang="en-US" dirty="0"/>
           </a:p>
@@ -872,12 +974,6 @@
           <a:p>
             <a:r>
               <a:rPr kumimoji="1" lang="en-US" altLang="zh-CN" dirty="0"/>
-              <a:t>For more details, please refer to the report.</a:t>
-            </a:r>
-          </a:p>
-          <a:p>
-            <a:r>
-              <a:rPr kumimoji="1" lang="en-US" altLang="zh-CN"/>
               <a:t>Thank you!</a:t>
             </a:r>
             <a:endParaRPr kumimoji="1" lang="zh-CN" altLang="en-US" dirty="0"/>
@@ -1419,7 +1515,19 @@
             </a:br>
             <a:r>
               <a:rPr kumimoji="1" lang="en-US" altLang="zh-CN" dirty="0"/>
-              <a:t>This is a lightweight CNN architecture.</a:t>
+              <a:t>This is a lightweight </a:t>
+            </a:r>
+            <a:r>
+              <a:rPr lang="da-DK" altLang="zh-CN" dirty="0" err="1"/>
+              <a:t>convolution</a:t>
+            </a:r>
+            <a:r>
+              <a:rPr lang="da-DK" altLang="zh-CN" dirty="0"/>
+              <a:t> operation</a:t>
+            </a:r>
+            <a:r>
+              <a:rPr kumimoji="1" lang="en-US" altLang="zh-CN" dirty="0"/>
+              <a:t>.</a:t>
             </a:r>
             <a:endParaRPr kumimoji="1" lang="zh-CN" altLang="en-US" dirty="0"/>
           </a:p>
@@ -1571,7 +1679,15 @@
             </a:r>
             <a:r>
               <a:rPr lang="da-DK" altLang="zh-CN" dirty="0"/>
-              <a:t> with Depth </a:t>
+              <a:t> with </a:t>
+            </a:r>
+            <a:r>
+              <a:rPr lang="da-DK" altLang="zh-CN" dirty="0" err="1"/>
+              <a:t>Depthwise</a:t>
+            </a:r>
+            <a:r>
+              <a:rPr lang="da-DK" altLang="zh-CN" dirty="0"/>
+              <a:t> </a:t>
             </a:r>
             <a:r>
               <a:rPr lang="da-DK" altLang="zh-CN" dirty="0" err="1"/>
@@ -2048,7 +2164,7 @@
           <a:p>
             <a:r>
               <a:rPr kumimoji="1" lang="en-US" altLang="zh-CN" dirty="0"/>
-              <a:t>Version-three replace all</a:t>
+              <a:t>Version-three replace all of them</a:t>
             </a:r>
           </a:p>
         </p:txBody>
@@ -2274,7 +2390,7 @@
           <a:p>
             <a:fld id="{5BCAD085-E8A6-8845-BD4E-CB4CCA059FC4}" type="datetimeFigureOut">
               <a:rPr lang="en-US" smtClean="0"/>
-              <a:t>12/5/25</a:t>
+              <a:t>12/6/25</a:t>
             </a:fld>
             <a:endParaRPr lang="en-US"/>
           </a:p>
@@ -2442,7 +2558,7 @@
           <a:p>
             <a:fld id="{5BCAD085-E8A6-8845-BD4E-CB4CCA059FC4}" type="datetimeFigureOut">
               <a:rPr lang="en-US" smtClean="0"/>
-              <a:t>12/5/25</a:t>
+              <a:t>12/6/25</a:t>
             </a:fld>
             <a:endParaRPr lang="en-US"/>
           </a:p>
@@ -2620,7 +2736,7 @@
           <a:p>
             <a:fld id="{5BCAD085-E8A6-8845-BD4E-CB4CCA059FC4}" type="datetimeFigureOut">
               <a:rPr lang="en-US" smtClean="0"/>
-              <a:t>12/5/25</a:t>
+              <a:t>12/6/25</a:t>
             </a:fld>
             <a:endParaRPr lang="en-US"/>
           </a:p>
@@ -2788,7 +2904,7 @@
           <a:p>
             <a:fld id="{5BCAD085-E8A6-8845-BD4E-CB4CCA059FC4}" type="datetimeFigureOut">
               <a:rPr lang="en-US" smtClean="0"/>
-              <a:t>12/5/25</a:t>
+              <a:t>12/6/25</a:t>
             </a:fld>
             <a:endParaRPr lang="en-US"/>
           </a:p>
@@ -3033,7 +3149,7 @@
           <a:p>
             <a:fld id="{5BCAD085-E8A6-8845-BD4E-CB4CCA059FC4}" type="datetimeFigureOut">
               <a:rPr lang="en-US" smtClean="0"/>
-              <a:t>12/5/25</a:t>
+              <a:t>12/6/25</a:t>
             </a:fld>
             <a:endParaRPr lang="en-US"/>
           </a:p>
@@ -3318,7 +3434,7 @@
           <a:p>
             <a:fld id="{5BCAD085-E8A6-8845-BD4E-CB4CCA059FC4}" type="datetimeFigureOut">
               <a:rPr lang="en-US" smtClean="0"/>
-              <a:t>12/5/25</a:t>
+              <a:t>12/6/25</a:t>
             </a:fld>
             <a:endParaRPr lang="en-US"/>
           </a:p>
@@ -3737,7 +3853,7 @@
           <a:p>
             <a:fld id="{5BCAD085-E8A6-8845-BD4E-CB4CCA059FC4}" type="datetimeFigureOut">
               <a:rPr lang="en-US" smtClean="0"/>
-              <a:t>12/5/25</a:t>
+              <a:t>12/6/25</a:t>
             </a:fld>
             <a:endParaRPr lang="en-US"/>
           </a:p>
@@ -3854,7 +3970,7 @@
           <a:p>
             <a:fld id="{5BCAD085-E8A6-8845-BD4E-CB4CCA059FC4}" type="datetimeFigureOut">
               <a:rPr lang="en-US" smtClean="0"/>
-              <a:t>12/5/25</a:t>
+              <a:t>12/6/25</a:t>
             </a:fld>
             <a:endParaRPr lang="en-US"/>
           </a:p>
@@ -3949,7 +4065,7 @@
           <a:p>
             <a:fld id="{5BCAD085-E8A6-8845-BD4E-CB4CCA059FC4}" type="datetimeFigureOut">
               <a:rPr lang="en-US" smtClean="0"/>
-              <a:t>12/5/25</a:t>
+              <a:t>12/6/25</a:t>
             </a:fld>
             <a:endParaRPr lang="en-US"/>
           </a:p>
@@ -4224,7 +4340,7 @@
           <a:p>
             <a:fld id="{5BCAD085-E8A6-8845-BD4E-CB4CCA059FC4}" type="datetimeFigureOut">
               <a:rPr lang="en-US" smtClean="0"/>
-              <a:t>12/5/25</a:t>
+              <a:t>12/6/25</a:t>
             </a:fld>
             <a:endParaRPr lang="en-US"/>
           </a:p>
@@ -4476,7 +4592,7 @@
           <a:p>
             <a:fld id="{5BCAD085-E8A6-8845-BD4E-CB4CCA059FC4}" type="datetimeFigureOut">
               <a:rPr lang="en-US" smtClean="0"/>
-              <a:t>12/5/25</a:t>
+              <a:t>12/6/25</a:t>
             </a:fld>
             <a:endParaRPr lang="en-US"/>
           </a:p>
@@ -4687,7 +4803,7 @@
           <a:p>
             <a:fld id="{5BCAD085-E8A6-8845-BD4E-CB4CCA059FC4}" type="datetimeFigureOut">
               <a:rPr lang="en-US" smtClean="0"/>
-              <a:t>12/5/25</a:t>
+              <a:t>12/6/25</a:t>
             </a:fld>
             <a:endParaRPr lang="en-US"/>
           </a:p>
@@ -5122,11 +5238,143 @@
           </a:p>
         </p:txBody>
       </p:sp>
+      <p:pic>
+        <p:nvPicPr>
+          <p:cNvPr id="18" name="音频 17">
+            <a:extLst>
+              <a:ext uri="{FF2B5EF4-FFF2-40B4-BE49-F238E27FC236}">
+                <a16:creationId xmlns:a16="http://schemas.microsoft.com/office/drawing/2014/main" id="{1A5C2864-0FCD-61F0-DB7E-F35C2988B4B8}"/>
+              </a:ext>
+            </a:extLst>
+          </p:cNvPr>
+          <p:cNvPicPr>
+            <a:picLocks noChangeAspect="1"/>
+          </p:cNvPicPr>
+          <p:nvPr>
+            <a:audioFile r:link="rId2"/>
+            <p:extLst>
+              <p:ext uri="{DAA4B4D4-6D71-4841-9C94-3DE7FCFB9230}">
+                <p14:media xmlns:p14="http://schemas.microsoft.com/office/powerpoint/2010/main" r:embed="rId1"/>
+              </p:ext>
+            </p:extLst>
+          </p:nvPr>
+        </p:nvPicPr>
+        <p:blipFill>
+          <a:blip r:embed="rId5"/>
+          <a:stretch>
+            <a:fillRect/>
+          </a:stretch>
+        </p:blipFill>
+        <p:spPr>
+          <a:xfrm>
+            <a:off x="8178800" y="5892800"/>
+            <a:ext cx="812800" cy="812800"/>
+          </a:xfrm>
+          <a:prstGeom prst="rect">
+            <a:avLst/>
+          </a:prstGeom>
+        </p:spPr>
+      </p:pic>
     </p:spTree>
   </p:cSld>
   <p:clrMapOvr>
     <a:masterClrMapping/>
   </p:clrMapOvr>
+  <mc:AlternateContent xmlns:mc="http://schemas.openxmlformats.org/markup-compatibility/2006" xmlns:p14="http://schemas.microsoft.com/office/powerpoint/2010/main">
+    <mc:Choice Requires="p14">
+      <p:transition spd="slow" p14:dur="2000" advTm="13504"/>
+    </mc:Choice>
+    <mc:Fallback xmlns="">
+      <p:transition spd="slow" advTm="13504"/>
+    </mc:Fallback>
+  </mc:AlternateContent>
+  <p:timing>
+    <p:tnLst>
+      <p:par>
+        <p:cTn id="1" dur="indefinite" restart="never" nodeType="tmRoot">
+          <p:childTnLst>
+            <p:seq concurrent="1" nextAc="seek">
+              <p:cTn id="2" dur="indefinite" nodeType="mainSeq">
+                <p:childTnLst>
+                  <p:par>
+                    <p:cTn id="3" fill="hold">
+                      <p:stCondLst>
+                        <p:cond delay="indefinite"/>
+                        <p:cond evt="onBegin" delay="0">
+                          <p:tn val="2"/>
+                        </p:cond>
+                      </p:stCondLst>
+                      <p:childTnLst>
+                        <p:par>
+                          <p:cTn id="4" fill="hold">
+                            <p:stCondLst>
+                              <p:cond delay="0"/>
+                            </p:stCondLst>
+                            <p:childTnLst>
+                              <p:par>
+                                <p:cTn id="5" presetID="1" presetClass="mediacall" presetSubtype="0" fill="hold" nodeType="afterEffect">
+                                  <p:stCondLst>
+                                    <p:cond delay="0"/>
+                                  </p:stCondLst>
+                                  <p:childTnLst>
+                                    <p:cmd type="call" cmd="playFrom(0.0)">
+                                      <p:cBhvr>
+                                        <p:cTn id="6" dur="1" fill="hold"/>
+                                        <p:tgtEl>
+                                          <p:spTgt spid="18"/>
+                                        </p:tgtEl>
+                                      </p:cBhvr>
+                                    </p:cmd>
+                                  </p:childTnLst>
+                                </p:cTn>
+                              </p:par>
+                            </p:childTnLst>
+                          </p:cTn>
+                        </p:par>
+                      </p:childTnLst>
+                    </p:cTn>
+                  </p:par>
+                </p:childTnLst>
+              </p:cTn>
+              <p:prevCondLst>
+                <p:cond evt="onPrev" delay="0">
+                  <p:tgtEl>
+                    <p:sldTgt/>
+                  </p:tgtEl>
+                </p:cond>
+              </p:prevCondLst>
+              <p:nextCondLst>
+                <p:cond evt="onNext" delay="0">
+                  <p:tgtEl>
+                    <p:sldTgt/>
+                  </p:tgtEl>
+                </p:cond>
+              </p:nextCondLst>
+            </p:seq>
+            <p:audio isNarration="1">
+              <p:cMediaNode vol="80000" showWhenStopped="0">
+                <p:cTn id="7" fill="hold" display="0">
+                  <p:stCondLst>
+                    <p:cond delay="indefinite"/>
+                  </p:stCondLst>
+                  <p:endCondLst>
+                    <p:cond evt="onStopAudio" delay="0">
+                      <p:tgtEl>
+                        <p:sldTgt/>
+                      </p:tgtEl>
+                    </p:cond>
+                  </p:endCondLst>
+                </p:cTn>
+                <p:tgtEl>
+                  <p:spTgt spid="18"/>
+                </p:tgtEl>
+              </p:cMediaNode>
+            </p:audio>
+          </p:childTnLst>
+        </p:cTn>
+      </p:par>
+    </p:tnLst>
+  </p:timing>
 </p:sld>
 </file>
 
@@ -5203,7 +5451,7 @@
           </p:nvPr>
         </p:nvPicPr>
         <p:blipFill>
-          <a:blip r:embed="rId3"/>
+          <a:blip r:embed="rId5"/>
           <a:srcRect r="8034"/>
           <a:stretch>
             <a:fillRect/>
@@ -5216,6 +5464,43 @@
           </a:xfrm>
         </p:spPr>
       </p:pic>
+      <p:pic>
+        <p:nvPicPr>
+          <p:cNvPr id="10" name="音频 9">
+            <a:extLst>
+              <a:ext uri="{FF2B5EF4-FFF2-40B4-BE49-F238E27FC236}">
+                <a16:creationId xmlns:a16="http://schemas.microsoft.com/office/drawing/2014/main" id="{A8AF0A72-EA9B-5EB3-A2BA-4B0207574745}"/>
+              </a:ext>
+            </a:extLst>
+          </p:cNvPr>
+          <p:cNvPicPr>
+            <a:picLocks noChangeAspect="1"/>
+          </p:cNvPicPr>
+          <p:nvPr>
+            <a:audioFile r:link="rId2"/>
+            <p:extLst>
+              <p:ext uri="{DAA4B4D4-6D71-4841-9C94-3DE7FCFB9230}">
+                <p14:media xmlns:p14="http://schemas.microsoft.com/office/powerpoint/2010/main" r:embed="rId1"/>
+              </p:ext>
+            </p:extLst>
+          </p:nvPr>
+        </p:nvPicPr>
+        <p:blipFill>
+          <a:blip r:embed="rId6"/>
+          <a:stretch>
+            <a:fillRect/>
+          </a:stretch>
+        </p:blipFill>
+        <p:spPr>
+          <a:xfrm>
+            <a:off x="8178800" y="5892800"/>
+            <a:ext cx="812800" cy="812800"/>
+          </a:xfrm>
+          <a:prstGeom prst="rect">
+            <a:avLst/>
+          </a:prstGeom>
+        </p:spPr>
+      </p:pic>
     </p:spTree>
     <p:extLst>
       <p:ext uri="{BB962C8B-B14F-4D97-AF65-F5344CB8AC3E}">
@@ -5226,6 +5511,101 @@
   <p:clrMapOvr>
     <a:masterClrMapping/>
   </p:clrMapOvr>
+  <mc:AlternateContent xmlns:mc="http://schemas.openxmlformats.org/markup-compatibility/2006" xmlns:p14="http://schemas.microsoft.com/office/powerpoint/2010/main">
+    <mc:Choice Requires="p14">
+      <p:transition spd="slow" p14:dur="2000" advTm="7702"/>
+    </mc:Choice>
+    <mc:Fallback xmlns="">
+      <p:transition spd="slow" advTm="7702"/>
+    </mc:Fallback>
+  </mc:AlternateContent>
+  <p:timing>
+    <p:tnLst>
+      <p:par>
+        <p:cTn id="1" dur="indefinite" restart="never" nodeType="tmRoot">
+          <p:childTnLst>
+            <p:seq concurrent="1" nextAc="seek">
+              <p:cTn id="2" dur="indefinite" nodeType="mainSeq">
+                <p:childTnLst>
+                  <p:par>
+                    <p:cTn id="3" fill="hold">
+                      <p:stCondLst>
+                        <p:cond delay="indefinite"/>
+                        <p:cond evt="onBegin" delay="0">
+                          <p:tn val="2"/>
+                        </p:cond>
+                      </p:stCondLst>
+                      <p:childTnLst>
+                        <p:par>
+                          <p:cTn id="4" fill="hold">
+                            <p:stCondLst>
+                              <p:cond delay="0"/>
+                            </p:stCondLst>
+                            <p:childTnLst>
+                              <p:par>
+                                <p:cTn id="5" presetID="1" presetClass="mediacall" presetSubtype="0" fill="hold" nodeType="afterEffect">
+                                  <p:stCondLst>
+                                    <p:cond delay="0"/>
+                                  </p:stCondLst>
+                                  <p:childTnLst>
+                                    <p:cmd type="call" cmd="playFrom(0.0)">
+                                      <p:cBhvr>
+                                        <p:cTn id="6" dur="1" fill="hold"/>
+                                        <p:tgtEl>
+                                          <p:spTgt spid="10"/>
+                                        </p:tgtEl>
+                                      </p:cBhvr>
+                                    </p:cmd>
+                                  </p:childTnLst>
+                                </p:cTn>
+                              </p:par>
+                            </p:childTnLst>
+                          </p:cTn>
+                        </p:par>
+                      </p:childTnLst>
+                    </p:cTn>
+                  </p:par>
+                </p:childTnLst>
+              </p:cTn>
+              <p:prevCondLst>
+                <p:cond evt="onPrev" delay="0">
+                  <p:tgtEl>
+                    <p:sldTgt/>
+                  </p:tgtEl>
+                </p:cond>
+              </p:prevCondLst>
+              <p:nextCondLst>
+                <p:cond evt="onNext" delay="0">
+                  <p:tgtEl>
+                    <p:sldTgt/>
+                  </p:tgtEl>
+                </p:cond>
+              </p:nextCondLst>
+            </p:seq>
+            <p:audio isNarration="1">
+              <p:cMediaNode vol="80000" showWhenStopped="0">
+                <p:cTn id="7" fill="hold" display="0">
+                  <p:stCondLst>
+                    <p:cond delay="indefinite"/>
+                  </p:stCondLst>
+                  <p:endCondLst>
+                    <p:cond evt="onStopAudio" delay="0">
+                      <p:tgtEl>
+                        <p:sldTgt/>
+                      </p:tgtEl>
+                    </p:cond>
+                  </p:endCondLst>
+                </p:cTn>
+                <p:tgtEl>
+                  <p:spTgt spid="10"/>
+                </p:tgtEl>
+              </p:cMediaNode>
+            </p:audio>
+          </p:childTnLst>
+        </p:cTn>
+      </p:par>
+    </p:tnLst>
+  </p:timing>
 </p:sld>
 </file>
 
@@ -5255,7 +5635,7 @@
           <p:nvPr/>
         </p:nvPicPr>
         <p:blipFill>
-          <a:blip r:embed="rId3"/>
+          <a:blip r:embed="rId5"/>
           <a:stretch>
             <a:fillRect/>
           </a:stretch>
@@ -5308,7 +5688,7 @@
           <p:nvPr/>
         </p:nvPicPr>
         <p:blipFill>
-          <a:blip r:embed="rId4"/>
+          <a:blip r:embed="rId6"/>
           <a:stretch>
             <a:fillRect/>
           </a:stretch>
@@ -5361,7 +5741,7 @@
           <p:nvPr/>
         </p:nvPicPr>
         <p:blipFill>
-          <a:blip r:embed="rId5"/>
+          <a:blip r:embed="rId7"/>
           <a:stretch>
             <a:fillRect/>
           </a:stretch>
@@ -5455,11 +5835,143 @@
           </a:p>
         </p:txBody>
       </p:sp>
+      <p:pic>
+        <p:nvPicPr>
+          <p:cNvPr id="15" name="音频 14">
+            <a:extLst>
+              <a:ext uri="{FF2B5EF4-FFF2-40B4-BE49-F238E27FC236}">
+                <a16:creationId xmlns:a16="http://schemas.microsoft.com/office/drawing/2014/main" id="{2AA2D202-C0ED-2D5C-7F31-B536DCF703A8}"/>
+              </a:ext>
+            </a:extLst>
+          </p:cNvPr>
+          <p:cNvPicPr>
+            <a:picLocks noChangeAspect="1"/>
+          </p:cNvPicPr>
+          <p:nvPr>
+            <a:audioFile r:link="rId2"/>
+            <p:extLst>
+              <p:ext uri="{DAA4B4D4-6D71-4841-9C94-3DE7FCFB9230}">
+                <p14:media xmlns:p14="http://schemas.microsoft.com/office/powerpoint/2010/main" r:embed="rId1"/>
+              </p:ext>
+            </p:extLst>
+          </p:nvPr>
+        </p:nvPicPr>
+        <p:blipFill>
+          <a:blip r:embed="rId8"/>
+          <a:stretch>
+            <a:fillRect/>
+          </a:stretch>
+        </p:blipFill>
+        <p:spPr>
+          <a:xfrm>
+            <a:off x="8178800" y="5892800"/>
+            <a:ext cx="812800" cy="812800"/>
+          </a:xfrm>
+          <a:prstGeom prst="rect">
+            <a:avLst/>
+          </a:prstGeom>
+        </p:spPr>
+      </p:pic>
     </p:spTree>
   </p:cSld>
   <p:clrMapOvr>
     <a:masterClrMapping/>
   </p:clrMapOvr>
+  <mc:AlternateContent xmlns:mc="http://schemas.openxmlformats.org/markup-compatibility/2006" xmlns:p14="http://schemas.microsoft.com/office/powerpoint/2010/main">
+    <mc:Choice Requires="p14">
+      <p:transition spd="slow" p14:dur="2000" advTm="14116"/>
+    </mc:Choice>
+    <mc:Fallback xmlns="">
+      <p:transition spd="slow" advTm="14116"/>
+    </mc:Fallback>
+  </mc:AlternateContent>
+  <p:timing>
+    <p:tnLst>
+      <p:par>
+        <p:cTn id="1" dur="indefinite" restart="never" nodeType="tmRoot">
+          <p:childTnLst>
+            <p:seq concurrent="1" nextAc="seek">
+              <p:cTn id="2" dur="indefinite" nodeType="mainSeq">
+                <p:childTnLst>
+                  <p:par>
+                    <p:cTn id="3" fill="hold">
+                      <p:stCondLst>
+                        <p:cond delay="indefinite"/>
+                        <p:cond evt="onBegin" delay="0">
+                          <p:tn val="2"/>
+                        </p:cond>
+                      </p:stCondLst>
+                      <p:childTnLst>
+                        <p:par>
+                          <p:cTn id="4" fill="hold">
+                            <p:stCondLst>
+                              <p:cond delay="0"/>
+                            </p:stCondLst>
+                            <p:childTnLst>
+                              <p:par>
+                                <p:cTn id="5" presetID="1" presetClass="mediacall" presetSubtype="0" fill="hold" nodeType="afterEffect">
+                                  <p:stCondLst>
+                                    <p:cond delay="0"/>
+                                  </p:stCondLst>
+                                  <p:childTnLst>
+                                    <p:cmd type="call" cmd="playFrom(0.0)">
+                                      <p:cBhvr>
+                                        <p:cTn id="6" dur="1" fill="hold"/>
+                                        <p:tgtEl>
+                                          <p:spTgt spid="15"/>
+                                        </p:tgtEl>
+                                      </p:cBhvr>
+                                    </p:cmd>
+                                  </p:childTnLst>
+                                </p:cTn>
+                              </p:par>
+                            </p:childTnLst>
+                          </p:cTn>
+                        </p:par>
+                      </p:childTnLst>
+                    </p:cTn>
+                  </p:par>
+                </p:childTnLst>
+              </p:cTn>
+              <p:prevCondLst>
+                <p:cond evt="onPrev" delay="0">
+                  <p:tgtEl>
+                    <p:sldTgt/>
+                  </p:tgtEl>
+                </p:cond>
+              </p:prevCondLst>
+              <p:nextCondLst>
+                <p:cond evt="onNext" delay="0">
+                  <p:tgtEl>
+                    <p:sldTgt/>
+                  </p:tgtEl>
+                </p:cond>
+              </p:nextCondLst>
+            </p:seq>
+            <p:audio isNarration="1">
+              <p:cMediaNode vol="80000" showWhenStopped="0">
+                <p:cTn id="7" fill="hold" display="0">
+                  <p:stCondLst>
+                    <p:cond delay="indefinite"/>
+                  </p:stCondLst>
+                  <p:endCondLst>
+                    <p:cond evt="onStopAudio" delay="0">
+                      <p:tgtEl>
+                        <p:sldTgt/>
+                      </p:tgtEl>
+                    </p:cond>
+                  </p:endCondLst>
+                </p:cTn>
+                <p:tgtEl>
+                  <p:spTgt spid="15"/>
+                </p:tgtEl>
+              </p:cMediaNode>
+            </p:audio>
+          </p:childTnLst>
+        </p:cTn>
+      </p:par>
+    </p:tnLst>
+  </p:timing>
 </p:sld>
 </file>
 
@@ -5551,6 +6063,43 @@
           </a:p>
         </p:txBody>
       </p:sp>
+      <p:pic>
+        <p:nvPicPr>
+          <p:cNvPr id="11" name="音频 10">
+            <a:extLst>
+              <a:ext uri="{FF2B5EF4-FFF2-40B4-BE49-F238E27FC236}">
+                <a16:creationId xmlns:a16="http://schemas.microsoft.com/office/drawing/2014/main" id="{2940863C-DCA5-7B27-117C-CE7921E27BB9}"/>
+              </a:ext>
+            </a:extLst>
+          </p:cNvPr>
+          <p:cNvPicPr>
+            <a:picLocks noChangeAspect="1"/>
+          </p:cNvPicPr>
+          <p:nvPr>
+            <a:audioFile r:link="rId2"/>
+            <p:extLst>
+              <p:ext uri="{DAA4B4D4-6D71-4841-9C94-3DE7FCFB9230}">
+                <p14:media xmlns:p14="http://schemas.microsoft.com/office/powerpoint/2010/main" r:embed="rId1"/>
+              </p:ext>
+            </p:extLst>
+          </p:nvPr>
+        </p:nvPicPr>
+        <p:blipFill>
+          <a:blip r:embed="rId5"/>
+          <a:stretch>
+            <a:fillRect/>
+          </a:stretch>
+        </p:blipFill>
+        <p:spPr>
+          <a:xfrm>
+            <a:off x="8178800" y="5892800"/>
+            <a:ext cx="812800" cy="812800"/>
+          </a:xfrm>
+          <a:prstGeom prst="rect">
+            <a:avLst/>
+          </a:prstGeom>
+        </p:spPr>
+      </p:pic>
     </p:spTree>
     <p:extLst>
       <p:ext uri="{BB962C8B-B14F-4D97-AF65-F5344CB8AC3E}">
@@ -5561,6 +6110,101 @@
   <p:clrMapOvr>
     <a:masterClrMapping/>
   </p:clrMapOvr>
+  <mc:AlternateContent xmlns:mc="http://schemas.openxmlformats.org/markup-compatibility/2006">
+    <mc:Choice xmlns:p14="http://schemas.microsoft.com/office/powerpoint/2010/main" Requires="p14">
+      <p:transition spd="slow" p14:dur="2000" advTm="1897"/>
+    </mc:Choice>
+    <mc:Fallback>
+      <p:transition spd="slow" advTm="1897"/>
+    </mc:Fallback>
+  </mc:AlternateContent>
+  <p:timing>
+    <p:tnLst>
+      <p:par>
+        <p:cTn id="1" dur="indefinite" restart="never" nodeType="tmRoot">
+          <p:childTnLst>
+            <p:seq concurrent="1" nextAc="seek">
+              <p:cTn id="2" dur="indefinite" nodeType="mainSeq">
+                <p:childTnLst>
+                  <p:par>
+                    <p:cTn id="3" fill="hold">
+                      <p:stCondLst>
+                        <p:cond delay="indefinite"/>
+                        <p:cond evt="onBegin" delay="0">
+                          <p:tn val="2"/>
+                        </p:cond>
+                      </p:stCondLst>
+                      <p:childTnLst>
+                        <p:par>
+                          <p:cTn id="4" fill="hold">
+                            <p:stCondLst>
+                              <p:cond delay="0"/>
+                            </p:stCondLst>
+                            <p:childTnLst>
+                              <p:par>
+                                <p:cTn id="5" presetID="1" presetClass="mediacall" presetSubtype="0" fill="hold" nodeType="afterEffect">
+                                  <p:stCondLst>
+                                    <p:cond delay="0"/>
+                                  </p:stCondLst>
+                                  <p:childTnLst>
+                                    <p:cmd type="call" cmd="playFrom(0.0)">
+                                      <p:cBhvr>
+                                        <p:cTn id="6" dur="1" fill="hold"/>
+                                        <p:tgtEl>
+                                          <p:spTgt spid="11"/>
+                                        </p:tgtEl>
+                                      </p:cBhvr>
+                                    </p:cmd>
+                                  </p:childTnLst>
+                                </p:cTn>
+                              </p:par>
+                            </p:childTnLst>
+                          </p:cTn>
+                        </p:par>
+                      </p:childTnLst>
+                    </p:cTn>
+                  </p:par>
+                </p:childTnLst>
+              </p:cTn>
+              <p:prevCondLst>
+                <p:cond evt="onPrev" delay="0">
+                  <p:tgtEl>
+                    <p:sldTgt/>
+                  </p:tgtEl>
+                </p:cond>
+              </p:prevCondLst>
+              <p:nextCondLst>
+                <p:cond evt="onNext" delay="0">
+                  <p:tgtEl>
+                    <p:sldTgt/>
+                  </p:tgtEl>
+                </p:cond>
+              </p:nextCondLst>
+            </p:seq>
+            <p:audio isNarration="1">
+              <p:cMediaNode vol="80000" showWhenStopped="0">
+                <p:cTn id="7" fill="hold" display="0">
+                  <p:stCondLst>
+                    <p:cond delay="indefinite"/>
+                  </p:stCondLst>
+                  <p:endCondLst>
+                    <p:cond evt="onStopAudio" delay="0">
+                      <p:tgtEl>
+                        <p:sldTgt/>
+                      </p:tgtEl>
+                    </p:cond>
+                  </p:endCondLst>
+                </p:cTn>
+                <p:tgtEl>
+                  <p:spTgt spid="11"/>
+                </p:tgtEl>
+              </p:cMediaNode>
+            </p:audio>
+          </p:childTnLst>
+        </p:cTn>
+      </p:par>
+    </p:tnLst>
+  </p:timing>
 </p:sld>
 </file>
 
@@ -5626,7 +6270,7 @@
           <p:nvPr/>
         </p:nvPicPr>
         <p:blipFill>
-          <a:blip r:embed="rId3"/>
+          <a:blip r:embed="rId6"/>
           <a:srcRect t="18921"/>
           <a:stretch>
             <a:fillRect/>
@@ -5722,11 +6366,59 @@
           </a:p>
         </p:txBody>
       </p:sp>
+      <p:pic>
+        <p:nvPicPr>
+          <p:cNvPr id="17" name="音频 16">
+            <a:extLst>
+              <a:ext uri="{FF2B5EF4-FFF2-40B4-BE49-F238E27FC236}">
+                <a16:creationId xmlns:a16="http://schemas.microsoft.com/office/drawing/2014/main" id="{E09C1123-9737-75D3-1E85-000C2DAF331D}"/>
+              </a:ext>
+            </a:extLst>
+          </p:cNvPr>
+          <p:cNvPicPr>
+            <a:picLocks noChangeAspect="1"/>
+          </p:cNvPicPr>
+          <p:nvPr>
+            <a:audioFile r:link="rId3"/>
+            <p:extLst>
+              <p:ext uri="{DAA4B4D4-6D71-4841-9C94-3DE7FCFB9230}">
+                <p14:media xmlns:p14="http://schemas.microsoft.com/office/powerpoint/2010/main" r:embed="rId2"/>
+              </p:ext>
+            </p:extLst>
+          </p:nvPr>
+        </p:nvPicPr>
+        <p:blipFill>
+          <a:blip r:embed="rId7"/>
+          <a:stretch>
+            <a:fillRect/>
+          </a:stretch>
+        </p:blipFill>
+        <p:spPr>
+          <a:xfrm>
+            <a:off x="8178800" y="5892800"/>
+            <a:ext cx="812800" cy="812800"/>
+          </a:xfrm>
+          <a:prstGeom prst="rect">
+            <a:avLst/>
+          </a:prstGeom>
+        </p:spPr>
+      </p:pic>
     </p:spTree>
+    <p:custDataLst>
+      <p:tags r:id="rId1"/>
+    </p:custDataLst>
   </p:cSld>
   <p:clrMapOvr>
     <a:masterClrMapping/>
   </p:clrMapOvr>
+  <mc:AlternateContent xmlns:mc="http://schemas.openxmlformats.org/markup-compatibility/2006" xmlns:p14="http://schemas.microsoft.com/office/powerpoint/2010/main">
+    <mc:Choice Requires="p14">
+      <p:transition spd="slow" p14:dur="2000" advTm="9792"/>
+    </mc:Choice>
+    <mc:Fallback xmlns="">
+      <p:transition spd="slow" advTm="9792"/>
+    </mc:Fallback>
+  </mc:AlternateContent>
   <p:timing>
     <p:tnLst>
       <p:par>
@@ -5739,6 +6431,9 @@
                     <p:cTn id="3" fill="hold">
                       <p:stCondLst>
                         <p:cond delay="indefinite"/>
+                        <p:cond evt="onBegin" delay="0">
+                          <p:tn val="2"/>
+                        </p:cond>
                       </p:stCondLst>
                       <p:childTnLst>
                         <p:par>
@@ -5748,14 +6443,49 @@
                             </p:stCondLst>
                             <p:childTnLst>
                               <p:par>
-                                <p:cTn id="5" presetID="1" presetClass="entr" presetSubtype="0" fill="hold" grpId="0" nodeType="clickEffect">
+                                <p:cTn id="5" presetID="1" presetClass="mediacall" presetSubtype="0" fill="hold" nodeType="afterEffect">
+                                  <p:stCondLst>
+                                    <p:cond delay="0"/>
+                                  </p:stCondLst>
+                                  <p:childTnLst>
+                                    <p:cmd type="call" cmd="playFrom(0.0)">
+                                      <p:cBhvr>
+                                        <p:cTn id="6" dur="1" fill="hold"/>
+                                        <p:tgtEl>
+                                          <p:spTgt spid="17"/>
+                                        </p:tgtEl>
+                                      </p:cBhvr>
+                                    </p:cmd>
+                                  </p:childTnLst>
+                                </p:cTn>
+                              </p:par>
+                            </p:childTnLst>
+                          </p:cTn>
+                        </p:par>
+                      </p:childTnLst>
+                    </p:cTn>
+                  </p:par>
+                  <p:par>
+                    <p:cTn id="7" fill="hold">
+                      <p:stCondLst>
+                        <p:cond delay="indefinite"/>
+                      </p:stCondLst>
+                      <p:childTnLst>
+                        <p:par>
+                          <p:cTn id="8" fill="hold">
+                            <p:stCondLst>
+                              <p:cond delay="0"/>
+                            </p:stCondLst>
+                            <p:childTnLst>
+                              <p:par>
+                                <p:cTn id="9" presetID="1" presetClass="entr" presetSubtype="0" fill="hold" grpId="0" nodeType="clickEffect">
                                   <p:stCondLst>
                                     <p:cond delay="0"/>
                                   </p:stCondLst>
                                   <p:childTnLst>
                                     <p:set>
                                       <p:cBhvr>
-                                        <p:cTn id="6" dur="1" fill="hold">
+                                        <p:cTn id="10" dur="1" fill="hold">
                                           <p:stCondLst>
                                             <p:cond delay="0"/>
                                           </p:stCondLst>
@@ -5797,6 +6527,25 @@
                 </p:cond>
               </p:nextCondLst>
             </p:seq>
+            <p:audio isNarration="1">
+              <p:cMediaNode vol="80000" showWhenStopped="0">
+                <p:cTn id="11" fill="hold" display="0">
+                  <p:stCondLst>
+                    <p:cond delay="indefinite"/>
+                  </p:stCondLst>
+                  <p:endCondLst>
+                    <p:cond evt="onStopAudio" delay="0">
+                      <p:tgtEl>
+                        <p:sldTgt/>
+                      </p:tgtEl>
+                    </p:cond>
+                  </p:endCondLst>
+                </p:cTn>
+                <p:tgtEl>
+                  <p:spTgt spid="17"/>
+                </p:tgtEl>
+              </p:cMediaNode>
+            </p:audio>
           </p:childTnLst>
         </p:cTn>
       </p:par>
@@ -5882,7 +6631,7 @@
           <p:nvPr/>
         </p:nvPicPr>
         <p:blipFill>
-          <a:blip r:embed="rId3"/>
+          <a:blip r:embed="rId6"/>
           <a:stretch>
             <a:fillRect/>
           </a:stretch>
@@ -6043,7 +6792,47 @@
           </a:p>
         </p:txBody>
       </p:sp>
+      <p:pic>
+        <p:nvPicPr>
+          <p:cNvPr id="17" name="音频 16">
+            <a:extLst>
+              <a:ext uri="{FF2B5EF4-FFF2-40B4-BE49-F238E27FC236}">
+                <a16:creationId xmlns:a16="http://schemas.microsoft.com/office/drawing/2014/main" id="{412B7194-4008-5E20-A3D8-72C89C6E9F53}"/>
+              </a:ext>
+            </a:extLst>
+          </p:cNvPr>
+          <p:cNvPicPr>
+            <a:picLocks noChangeAspect="1"/>
+          </p:cNvPicPr>
+          <p:nvPr>
+            <a:audioFile r:link="rId3"/>
+            <p:extLst>
+              <p:ext uri="{DAA4B4D4-6D71-4841-9C94-3DE7FCFB9230}">
+                <p14:media xmlns:p14="http://schemas.microsoft.com/office/powerpoint/2010/main" r:embed="rId2"/>
+              </p:ext>
+            </p:extLst>
+          </p:nvPr>
+        </p:nvPicPr>
+        <p:blipFill>
+          <a:blip r:embed="rId7"/>
+          <a:stretch>
+            <a:fillRect/>
+          </a:stretch>
+        </p:blipFill>
+        <p:spPr>
+          <a:xfrm>
+            <a:off x="8178800" y="5892800"/>
+            <a:ext cx="812800" cy="812800"/>
+          </a:xfrm>
+          <a:prstGeom prst="rect">
+            <a:avLst/>
+          </a:prstGeom>
+        </p:spPr>
+      </p:pic>
     </p:spTree>
+    <p:custDataLst>
+      <p:tags r:id="rId1"/>
+    </p:custDataLst>
     <p:extLst>
       <p:ext uri="{BB962C8B-B14F-4D97-AF65-F5344CB8AC3E}">
         <p14:creationId xmlns:p14="http://schemas.microsoft.com/office/powerpoint/2010/main" val="448020967"/>
@@ -6053,6 +6842,14 @@
   <p:clrMapOvr>
     <a:masterClrMapping/>
   </p:clrMapOvr>
+  <mc:AlternateContent xmlns:mc="http://schemas.openxmlformats.org/markup-compatibility/2006" xmlns:p14="http://schemas.microsoft.com/office/powerpoint/2010/main">
+    <mc:Choice Requires="p14">
+      <p:transition spd="slow" p14:dur="2000" advTm="27917"/>
+    </mc:Choice>
+    <mc:Fallback xmlns="">
+      <p:transition spd="slow" advTm="27917"/>
+    </mc:Fallback>
+  </mc:AlternateContent>
   <p:timing>
     <p:tnLst>
       <p:par>
@@ -6065,6 +6862,9 @@
                     <p:cTn id="3" fill="hold">
                       <p:stCondLst>
                         <p:cond delay="indefinite"/>
+                        <p:cond evt="onBegin" delay="0">
+                          <p:tn val="2"/>
+                        </p:cond>
                       </p:stCondLst>
                       <p:childTnLst>
                         <p:par>
@@ -6074,14 +6874,49 @@
                             </p:stCondLst>
                             <p:childTnLst>
                               <p:par>
-                                <p:cTn id="5" presetID="1" presetClass="exit" presetSubtype="0" fill="hold" nodeType="clickEffect">
+                                <p:cTn id="5" presetID="1" presetClass="mediacall" presetSubtype="0" fill="hold" nodeType="afterEffect">
+                                  <p:stCondLst>
+                                    <p:cond delay="0"/>
+                                  </p:stCondLst>
+                                  <p:childTnLst>
+                                    <p:cmd type="call" cmd="playFrom(0.0)">
+                                      <p:cBhvr>
+                                        <p:cTn id="6" dur="1" fill="hold"/>
+                                        <p:tgtEl>
+                                          <p:spTgt spid="17"/>
+                                        </p:tgtEl>
+                                      </p:cBhvr>
+                                    </p:cmd>
+                                  </p:childTnLst>
+                                </p:cTn>
+                              </p:par>
+                            </p:childTnLst>
+                          </p:cTn>
+                        </p:par>
+                      </p:childTnLst>
+                    </p:cTn>
+                  </p:par>
+                  <p:par>
+                    <p:cTn id="7" fill="hold">
+                      <p:stCondLst>
+                        <p:cond delay="indefinite"/>
+                      </p:stCondLst>
+                      <p:childTnLst>
+                        <p:par>
+                          <p:cTn id="8" fill="hold">
+                            <p:stCondLst>
+                              <p:cond delay="0"/>
+                            </p:stCondLst>
+                            <p:childTnLst>
+                              <p:par>
+                                <p:cTn id="9" presetID="1" presetClass="exit" presetSubtype="0" fill="hold" nodeType="clickEffect">
                                   <p:stCondLst>
                                     <p:cond delay="0"/>
                                   </p:stCondLst>
                                   <p:childTnLst>
                                     <p:set>
                                       <p:cBhvr>
-                                        <p:cTn id="6" dur="1" fill="hold">
+                                        <p:cTn id="10" dur="1" fill="hold">
                                           <p:stCondLst>
                                             <p:cond delay="0"/>
                                           </p:stCondLst>
@@ -6107,26 +6942,26 @@
                     </p:cTn>
                   </p:par>
                   <p:par>
-                    <p:cTn id="7" fill="hold">
+                    <p:cTn id="11" fill="hold">
                       <p:stCondLst>
                         <p:cond delay="indefinite"/>
                       </p:stCondLst>
                       <p:childTnLst>
                         <p:par>
-                          <p:cTn id="8" fill="hold">
+                          <p:cTn id="12" fill="hold">
                             <p:stCondLst>
                               <p:cond delay="0"/>
                             </p:stCondLst>
                             <p:childTnLst>
                               <p:par>
-                                <p:cTn id="9" presetID="1" presetClass="entr" presetSubtype="0" fill="hold" grpId="0" nodeType="clickEffect">
+                                <p:cTn id="13" presetID="1" presetClass="entr" presetSubtype="0" fill="hold" grpId="0" nodeType="clickEffect">
                                   <p:stCondLst>
                                     <p:cond delay="0"/>
                                   </p:stCondLst>
                                   <p:childTnLst>
                                     <p:set>
                                       <p:cBhvr>
-                                        <p:cTn id="10" dur="1" fill="hold">
+                                        <p:cTn id="14" dur="1" fill="hold">
                                           <p:stCondLst>
                                             <p:cond delay="0"/>
                                           </p:stCondLst>
@@ -6146,14 +6981,14 @@
                                 </p:cTn>
                               </p:par>
                               <p:par>
-                                <p:cTn id="11" presetID="1" presetClass="entr" presetSubtype="0" fill="hold" grpId="0" nodeType="withEffect">
+                                <p:cTn id="15" presetID="1" presetClass="entr" presetSubtype="0" fill="hold" grpId="0" nodeType="withEffect">
                                   <p:stCondLst>
                                     <p:cond delay="0"/>
                                   </p:stCondLst>
                                   <p:childTnLst>
                                     <p:set>
                                       <p:cBhvr>
-                                        <p:cTn id="12" dur="1" fill="hold">
+                                        <p:cTn id="16" dur="1" fill="hold">
                                           <p:stCondLst>
                                             <p:cond delay="0"/>
                                           </p:stCondLst>
@@ -6173,14 +7008,14 @@
                                 </p:cTn>
                               </p:par>
                               <p:par>
-                                <p:cTn id="13" presetID="1" presetClass="entr" presetSubtype="0" fill="hold" grpId="0" nodeType="withEffect">
+                                <p:cTn id="17" presetID="1" presetClass="entr" presetSubtype="0" fill="hold" grpId="0" nodeType="withEffect">
                                   <p:stCondLst>
                                     <p:cond delay="0"/>
                                   </p:stCondLst>
                                   <p:childTnLst>
                                     <p:set>
                                       <p:cBhvr>
-                                        <p:cTn id="14" dur="1" fill="hold">
+                                        <p:cTn id="18" dur="1" fill="hold">
                                           <p:stCondLst>
                                             <p:cond delay="0"/>
                                           </p:stCondLst>
@@ -6222,6 +7057,25 @@
                 </p:cond>
               </p:nextCondLst>
             </p:seq>
+            <p:audio isNarration="1">
+              <p:cMediaNode vol="80000" showWhenStopped="0">
+                <p:cTn id="19" fill="hold" display="0">
+                  <p:stCondLst>
+                    <p:cond delay="indefinite"/>
+                  </p:stCondLst>
+                  <p:endCondLst>
+                    <p:cond evt="onStopAudio" delay="0">
+                      <p:tgtEl>
+                        <p:sldTgt/>
+                      </p:tgtEl>
+                    </p:cond>
+                  </p:endCondLst>
+                </p:cTn>
+                <p:tgtEl>
+                  <p:spTgt spid="17"/>
+                </p:tgtEl>
+              </p:cMediaNode>
+            </p:audio>
           </p:childTnLst>
         </p:cTn>
       </p:par>
@@ -6349,7 +7203,7 @@
           <p:nvPr/>
         </p:nvPicPr>
         <p:blipFill>
-          <a:blip r:embed="rId3"/>
+          <a:blip r:embed="rId5"/>
           <a:stretch>
             <a:fillRect/>
           </a:stretch>
@@ -6358,6 +7212,43 @@
           <a:xfrm>
             <a:off x="462516" y="1680663"/>
             <a:ext cx="7772400" cy="3496673"/>
+          </a:xfrm>
+          <a:prstGeom prst="rect">
+            <a:avLst/>
+          </a:prstGeom>
+        </p:spPr>
+      </p:pic>
+      <p:pic>
+        <p:nvPicPr>
+          <p:cNvPr id="13" name="音频 12">
+            <a:extLst>
+              <a:ext uri="{FF2B5EF4-FFF2-40B4-BE49-F238E27FC236}">
+                <a16:creationId xmlns:a16="http://schemas.microsoft.com/office/drawing/2014/main" id="{F29A85FA-AB93-AA21-3442-414A199456A1}"/>
+              </a:ext>
+            </a:extLst>
+          </p:cNvPr>
+          <p:cNvPicPr>
+            <a:picLocks noChangeAspect="1"/>
+          </p:cNvPicPr>
+          <p:nvPr>
+            <a:audioFile r:link="rId2"/>
+            <p:extLst>
+              <p:ext uri="{DAA4B4D4-6D71-4841-9C94-3DE7FCFB9230}">
+                <p14:media xmlns:p14="http://schemas.microsoft.com/office/powerpoint/2010/main" r:embed="rId1"/>
+              </p:ext>
+            </p:extLst>
+          </p:nvPr>
+        </p:nvPicPr>
+        <p:blipFill>
+          <a:blip r:embed="rId6"/>
+          <a:stretch>
+            <a:fillRect/>
+          </a:stretch>
+        </p:blipFill>
+        <p:spPr>
+          <a:xfrm>
+            <a:off x="8178800" y="5892800"/>
+            <a:ext cx="812800" cy="812800"/>
           </a:xfrm>
           <a:prstGeom prst="rect">
             <a:avLst/>
@@ -6374,6 +7265,101 @@
   <p:clrMapOvr>
     <a:masterClrMapping/>
   </p:clrMapOvr>
+  <mc:AlternateContent xmlns:mc="http://schemas.openxmlformats.org/markup-compatibility/2006" xmlns:p14="http://schemas.microsoft.com/office/powerpoint/2010/main">
+    <mc:Choice Requires="p14">
+      <p:transition spd="slow" p14:dur="2000" advTm="8089"/>
+    </mc:Choice>
+    <mc:Fallback xmlns="">
+      <p:transition spd="slow" advTm="8089"/>
+    </mc:Fallback>
+  </mc:AlternateContent>
+  <p:timing>
+    <p:tnLst>
+      <p:par>
+        <p:cTn id="1" dur="indefinite" restart="never" nodeType="tmRoot">
+          <p:childTnLst>
+            <p:seq concurrent="1" nextAc="seek">
+              <p:cTn id="2" dur="indefinite" nodeType="mainSeq">
+                <p:childTnLst>
+                  <p:par>
+                    <p:cTn id="3" fill="hold">
+                      <p:stCondLst>
+                        <p:cond delay="indefinite"/>
+                        <p:cond evt="onBegin" delay="0">
+                          <p:tn val="2"/>
+                        </p:cond>
+                      </p:stCondLst>
+                      <p:childTnLst>
+                        <p:par>
+                          <p:cTn id="4" fill="hold">
+                            <p:stCondLst>
+                              <p:cond delay="0"/>
+                            </p:stCondLst>
+                            <p:childTnLst>
+                              <p:par>
+                                <p:cTn id="5" presetID="1" presetClass="mediacall" presetSubtype="0" fill="hold" nodeType="afterEffect">
+                                  <p:stCondLst>
+                                    <p:cond delay="0"/>
+                                  </p:stCondLst>
+                                  <p:childTnLst>
+                                    <p:cmd type="call" cmd="playFrom(0.0)">
+                                      <p:cBhvr>
+                                        <p:cTn id="6" dur="1" fill="hold"/>
+                                        <p:tgtEl>
+                                          <p:spTgt spid="13"/>
+                                        </p:tgtEl>
+                                      </p:cBhvr>
+                                    </p:cmd>
+                                  </p:childTnLst>
+                                </p:cTn>
+                              </p:par>
+                            </p:childTnLst>
+                          </p:cTn>
+                        </p:par>
+                      </p:childTnLst>
+                    </p:cTn>
+                  </p:par>
+                </p:childTnLst>
+              </p:cTn>
+              <p:prevCondLst>
+                <p:cond evt="onPrev" delay="0">
+                  <p:tgtEl>
+                    <p:sldTgt/>
+                  </p:tgtEl>
+                </p:cond>
+              </p:prevCondLst>
+              <p:nextCondLst>
+                <p:cond evt="onNext" delay="0">
+                  <p:tgtEl>
+                    <p:sldTgt/>
+                  </p:tgtEl>
+                </p:cond>
+              </p:nextCondLst>
+            </p:seq>
+            <p:audio isNarration="1">
+              <p:cMediaNode vol="80000" showWhenStopped="0">
+                <p:cTn id="7" fill="hold" display="0">
+                  <p:stCondLst>
+                    <p:cond delay="indefinite"/>
+                  </p:stCondLst>
+                  <p:endCondLst>
+                    <p:cond evt="onStopAudio" delay="0">
+                      <p:tgtEl>
+                        <p:sldTgt/>
+                      </p:tgtEl>
+                    </p:cond>
+                  </p:endCondLst>
+                </p:cTn>
+                <p:tgtEl>
+                  <p:spTgt spid="13"/>
+                </p:tgtEl>
+              </p:cMediaNode>
+            </p:audio>
+          </p:childTnLst>
+        </p:cTn>
+      </p:par>
+    </p:tnLst>
+  </p:timing>
 </p:sld>
 </file>
 
@@ -6451,7 +7437,7 @@
           <p:nvPr/>
         </p:nvPicPr>
         <p:blipFill>
-          <a:blip r:embed="rId3"/>
+          <a:blip r:embed="rId5"/>
           <a:srcRect l="12935" t="22878" r="62290" b="23104"/>
           <a:stretch>
             <a:fillRect/>
@@ -6526,7 +7512,7 @@
           <p:nvPr/>
         </p:nvPicPr>
         <p:blipFill>
-          <a:blip r:embed="rId4"/>
+          <a:blip r:embed="rId6"/>
           <a:stretch>
             <a:fillRect/>
           </a:stretch>
@@ -6621,6 +7607,43 @@
           </a:p>
         </p:txBody>
       </p:sp>
+      <p:pic>
+        <p:nvPicPr>
+          <p:cNvPr id="16" name="音频 15">
+            <a:extLst>
+              <a:ext uri="{FF2B5EF4-FFF2-40B4-BE49-F238E27FC236}">
+                <a16:creationId xmlns:a16="http://schemas.microsoft.com/office/drawing/2014/main" id="{15005D06-7F8E-1543-E4E4-2AFDB5B205E2}"/>
+              </a:ext>
+            </a:extLst>
+          </p:cNvPr>
+          <p:cNvPicPr>
+            <a:picLocks noChangeAspect="1"/>
+          </p:cNvPicPr>
+          <p:nvPr>
+            <a:audioFile r:link="rId2"/>
+            <p:extLst>
+              <p:ext uri="{DAA4B4D4-6D71-4841-9C94-3DE7FCFB9230}">
+                <p14:media xmlns:p14="http://schemas.microsoft.com/office/powerpoint/2010/main" r:embed="rId1"/>
+              </p:ext>
+            </p:extLst>
+          </p:nvPr>
+        </p:nvPicPr>
+        <p:blipFill>
+          <a:blip r:embed="rId7"/>
+          <a:stretch>
+            <a:fillRect/>
+          </a:stretch>
+        </p:blipFill>
+        <p:spPr>
+          <a:xfrm>
+            <a:off x="8178800" y="5892800"/>
+            <a:ext cx="812800" cy="812800"/>
+          </a:xfrm>
+          <a:prstGeom prst="rect">
+            <a:avLst/>
+          </a:prstGeom>
+        </p:spPr>
+      </p:pic>
     </p:spTree>
     <p:extLst>
       <p:ext uri="{BB962C8B-B14F-4D97-AF65-F5344CB8AC3E}">
@@ -6631,6 +7654,101 @@
   <p:clrMapOvr>
     <a:masterClrMapping/>
   </p:clrMapOvr>
+  <mc:AlternateContent xmlns:mc="http://schemas.openxmlformats.org/markup-compatibility/2006" xmlns:p14="http://schemas.microsoft.com/office/powerpoint/2010/main">
+    <mc:Choice Requires="p14">
+      <p:transition spd="slow" p14:dur="2000" advTm="9355"/>
+    </mc:Choice>
+    <mc:Fallback xmlns="">
+      <p:transition spd="slow" advTm="9355"/>
+    </mc:Fallback>
+  </mc:AlternateContent>
+  <p:timing>
+    <p:tnLst>
+      <p:par>
+        <p:cTn id="1" dur="indefinite" restart="never" nodeType="tmRoot">
+          <p:childTnLst>
+            <p:seq concurrent="1" nextAc="seek">
+              <p:cTn id="2" dur="indefinite" nodeType="mainSeq">
+                <p:childTnLst>
+                  <p:par>
+                    <p:cTn id="3" fill="hold">
+                      <p:stCondLst>
+                        <p:cond delay="indefinite"/>
+                        <p:cond evt="onBegin" delay="0">
+                          <p:tn val="2"/>
+                        </p:cond>
+                      </p:stCondLst>
+                      <p:childTnLst>
+                        <p:par>
+                          <p:cTn id="4" fill="hold">
+                            <p:stCondLst>
+                              <p:cond delay="0"/>
+                            </p:stCondLst>
+                            <p:childTnLst>
+                              <p:par>
+                                <p:cTn id="5" presetID="1" presetClass="mediacall" presetSubtype="0" fill="hold" nodeType="afterEffect">
+                                  <p:stCondLst>
+                                    <p:cond delay="0"/>
+                                  </p:stCondLst>
+                                  <p:childTnLst>
+                                    <p:cmd type="call" cmd="playFrom(0.0)">
+                                      <p:cBhvr>
+                                        <p:cTn id="6" dur="1" fill="hold"/>
+                                        <p:tgtEl>
+                                          <p:spTgt spid="16"/>
+                                        </p:tgtEl>
+                                      </p:cBhvr>
+                                    </p:cmd>
+                                  </p:childTnLst>
+                                </p:cTn>
+                              </p:par>
+                            </p:childTnLst>
+                          </p:cTn>
+                        </p:par>
+                      </p:childTnLst>
+                    </p:cTn>
+                  </p:par>
+                </p:childTnLst>
+              </p:cTn>
+              <p:prevCondLst>
+                <p:cond evt="onPrev" delay="0">
+                  <p:tgtEl>
+                    <p:sldTgt/>
+                  </p:tgtEl>
+                </p:cond>
+              </p:prevCondLst>
+              <p:nextCondLst>
+                <p:cond evt="onNext" delay="0">
+                  <p:tgtEl>
+                    <p:sldTgt/>
+                  </p:tgtEl>
+                </p:cond>
+              </p:nextCondLst>
+            </p:seq>
+            <p:audio isNarration="1">
+              <p:cMediaNode vol="80000" showWhenStopped="0">
+                <p:cTn id="7" fill="hold" display="0">
+                  <p:stCondLst>
+                    <p:cond delay="indefinite"/>
+                  </p:stCondLst>
+                  <p:endCondLst>
+                    <p:cond evt="onStopAudio" delay="0">
+                      <p:tgtEl>
+                        <p:sldTgt/>
+                      </p:tgtEl>
+                    </p:cond>
+                  </p:endCondLst>
+                </p:cTn>
+                <p:tgtEl>
+                  <p:spTgt spid="16"/>
+                </p:tgtEl>
+              </p:cMediaNode>
+            </p:audio>
+          </p:childTnLst>
+        </p:cTn>
+      </p:par>
+    </p:tnLst>
+  </p:timing>
 </p:sld>
 </file>
 
@@ -6886,11 +8004,143 @@
           </a:p>
         </p:txBody>
       </p:sp>
+      <p:pic>
+        <p:nvPicPr>
+          <p:cNvPr id="14" name="音频 13">
+            <a:extLst>
+              <a:ext uri="{FF2B5EF4-FFF2-40B4-BE49-F238E27FC236}">
+                <a16:creationId xmlns:a16="http://schemas.microsoft.com/office/drawing/2014/main" id="{73B9443A-D826-4503-D68E-A66EAFB15590}"/>
+              </a:ext>
+            </a:extLst>
+          </p:cNvPr>
+          <p:cNvPicPr>
+            <a:picLocks noChangeAspect="1"/>
+          </p:cNvPicPr>
+          <p:nvPr>
+            <a:audioFile r:link="rId2"/>
+            <p:extLst>
+              <p:ext uri="{DAA4B4D4-6D71-4841-9C94-3DE7FCFB9230}">
+                <p14:media xmlns:p14="http://schemas.microsoft.com/office/powerpoint/2010/main" r:embed="rId1"/>
+              </p:ext>
+            </p:extLst>
+          </p:nvPr>
+        </p:nvPicPr>
+        <p:blipFill>
+          <a:blip r:embed="rId5"/>
+          <a:stretch>
+            <a:fillRect/>
+          </a:stretch>
+        </p:blipFill>
+        <p:spPr>
+          <a:xfrm>
+            <a:off x="8178800" y="5892800"/>
+            <a:ext cx="812800" cy="812800"/>
+          </a:xfrm>
+          <a:prstGeom prst="rect">
+            <a:avLst/>
+          </a:prstGeom>
+        </p:spPr>
+      </p:pic>
     </p:spTree>
   </p:cSld>
   <p:clrMapOvr>
     <a:masterClrMapping/>
   </p:clrMapOvr>
+  <mc:AlternateContent xmlns:mc="http://schemas.openxmlformats.org/markup-compatibility/2006" xmlns:p14="http://schemas.microsoft.com/office/powerpoint/2010/main">
+    <mc:Choice Requires="p14">
+      <p:transition spd="slow" p14:dur="2000" advTm="7082"/>
+    </mc:Choice>
+    <mc:Fallback xmlns="">
+      <p:transition spd="slow" advTm="7082"/>
+    </mc:Fallback>
+  </mc:AlternateContent>
+  <p:timing>
+    <p:tnLst>
+      <p:par>
+        <p:cTn id="1" dur="indefinite" restart="never" nodeType="tmRoot">
+          <p:childTnLst>
+            <p:seq concurrent="1" nextAc="seek">
+              <p:cTn id="2" dur="indefinite" nodeType="mainSeq">
+                <p:childTnLst>
+                  <p:par>
+                    <p:cTn id="3" fill="hold">
+                      <p:stCondLst>
+                        <p:cond delay="indefinite"/>
+                        <p:cond evt="onBegin" delay="0">
+                          <p:tn val="2"/>
+                        </p:cond>
+                      </p:stCondLst>
+                      <p:childTnLst>
+                        <p:par>
+                          <p:cTn id="4" fill="hold">
+                            <p:stCondLst>
+                              <p:cond delay="0"/>
+                            </p:stCondLst>
+                            <p:childTnLst>
+                              <p:par>
+                                <p:cTn id="5" presetID="1" presetClass="mediacall" presetSubtype="0" fill="hold" nodeType="afterEffect">
+                                  <p:stCondLst>
+                                    <p:cond delay="0"/>
+                                  </p:stCondLst>
+                                  <p:childTnLst>
+                                    <p:cmd type="call" cmd="playFrom(0.0)">
+                                      <p:cBhvr>
+                                        <p:cTn id="6" dur="1" fill="hold"/>
+                                        <p:tgtEl>
+                                          <p:spTgt spid="14"/>
+                                        </p:tgtEl>
+                                      </p:cBhvr>
+                                    </p:cmd>
+                                  </p:childTnLst>
+                                </p:cTn>
+                              </p:par>
+                            </p:childTnLst>
+                          </p:cTn>
+                        </p:par>
+                      </p:childTnLst>
+                    </p:cTn>
+                  </p:par>
+                </p:childTnLst>
+              </p:cTn>
+              <p:prevCondLst>
+                <p:cond evt="onPrev" delay="0">
+                  <p:tgtEl>
+                    <p:sldTgt/>
+                  </p:tgtEl>
+                </p:cond>
+              </p:prevCondLst>
+              <p:nextCondLst>
+                <p:cond evt="onNext" delay="0">
+                  <p:tgtEl>
+                    <p:sldTgt/>
+                  </p:tgtEl>
+                </p:cond>
+              </p:nextCondLst>
+            </p:seq>
+            <p:audio isNarration="1">
+              <p:cMediaNode vol="80000" showWhenStopped="0">
+                <p:cTn id="7" fill="hold" display="0">
+                  <p:stCondLst>
+                    <p:cond delay="indefinite"/>
+                  </p:stCondLst>
+                  <p:endCondLst>
+                    <p:cond evt="onStopAudio" delay="0">
+                      <p:tgtEl>
+                        <p:sldTgt/>
+                      </p:tgtEl>
+                    </p:cond>
+                  </p:endCondLst>
+                </p:cTn>
+                <p:tgtEl>
+                  <p:spTgt spid="14"/>
+                </p:tgtEl>
+              </p:cMediaNode>
+            </p:audio>
+          </p:childTnLst>
+        </p:cTn>
+      </p:par>
+    </p:tnLst>
+  </p:timing>
 </p:sld>
 </file>
 
@@ -7172,6 +8422,43 @@
           </a:p>
         </p:txBody>
       </p:sp>
+      <p:pic>
+        <p:nvPicPr>
+          <p:cNvPr id="14" name="音频 13">
+            <a:extLst>
+              <a:ext uri="{FF2B5EF4-FFF2-40B4-BE49-F238E27FC236}">
+                <a16:creationId xmlns:a16="http://schemas.microsoft.com/office/drawing/2014/main" id="{D55A89C6-2FC1-DF90-1551-785ED51AA2EC}"/>
+              </a:ext>
+            </a:extLst>
+          </p:cNvPr>
+          <p:cNvPicPr>
+            <a:picLocks noChangeAspect="1"/>
+          </p:cNvPicPr>
+          <p:nvPr>
+            <a:audioFile r:link="rId2"/>
+            <p:extLst>
+              <p:ext uri="{DAA4B4D4-6D71-4841-9C94-3DE7FCFB9230}">
+                <p14:media xmlns:p14="http://schemas.microsoft.com/office/powerpoint/2010/main" r:embed="rId1"/>
+              </p:ext>
+            </p:extLst>
+          </p:nvPr>
+        </p:nvPicPr>
+        <p:blipFill>
+          <a:blip r:embed="rId5"/>
+          <a:stretch>
+            <a:fillRect/>
+          </a:stretch>
+        </p:blipFill>
+        <p:spPr>
+          <a:xfrm>
+            <a:off x="8178800" y="5892800"/>
+            <a:ext cx="812800" cy="812800"/>
+          </a:xfrm>
+          <a:prstGeom prst="rect">
+            <a:avLst/>
+          </a:prstGeom>
+        </p:spPr>
+      </p:pic>
     </p:spTree>
     <p:extLst>
       <p:ext uri="{BB962C8B-B14F-4D97-AF65-F5344CB8AC3E}">
@@ -7182,6 +8469,101 @@
   <p:clrMapOvr>
     <a:masterClrMapping/>
   </p:clrMapOvr>
+  <mc:AlternateContent xmlns:mc="http://schemas.openxmlformats.org/markup-compatibility/2006" xmlns:p14="http://schemas.microsoft.com/office/powerpoint/2010/main">
+    <mc:Choice Requires="p14">
+      <p:transition spd="slow" p14:dur="2000" advTm="5280"/>
+    </mc:Choice>
+    <mc:Fallback xmlns="">
+      <p:transition spd="slow" advTm="5280"/>
+    </mc:Fallback>
+  </mc:AlternateContent>
+  <p:timing>
+    <p:tnLst>
+      <p:par>
+        <p:cTn id="1" dur="indefinite" restart="never" nodeType="tmRoot">
+          <p:childTnLst>
+            <p:seq concurrent="1" nextAc="seek">
+              <p:cTn id="2" dur="indefinite" nodeType="mainSeq">
+                <p:childTnLst>
+                  <p:par>
+                    <p:cTn id="3" fill="hold">
+                      <p:stCondLst>
+                        <p:cond delay="indefinite"/>
+                        <p:cond evt="onBegin" delay="0">
+                          <p:tn val="2"/>
+                        </p:cond>
+                      </p:stCondLst>
+                      <p:childTnLst>
+                        <p:par>
+                          <p:cTn id="4" fill="hold">
+                            <p:stCondLst>
+                              <p:cond delay="0"/>
+                            </p:stCondLst>
+                            <p:childTnLst>
+                              <p:par>
+                                <p:cTn id="5" presetID="1" presetClass="mediacall" presetSubtype="0" fill="hold" nodeType="afterEffect">
+                                  <p:stCondLst>
+                                    <p:cond delay="0"/>
+                                  </p:stCondLst>
+                                  <p:childTnLst>
+                                    <p:cmd type="call" cmd="playFrom(0.0)">
+                                      <p:cBhvr>
+                                        <p:cTn id="6" dur="1" fill="hold"/>
+                                        <p:tgtEl>
+                                          <p:spTgt spid="14"/>
+                                        </p:tgtEl>
+                                      </p:cBhvr>
+                                    </p:cmd>
+                                  </p:childTnLst>
+                                </p:cTn>
+                              </p:par>
+                            </p:childTnLst>
+                          </p:cTn>
+                        </p:par>
+                      </p:childTnLst>
+                    </p:cTn>
+                  </p:par>
+                </p:childTnLst>
+              </p:cTn>
+              <p:prevCondLst>
+                <p:cond evt="onPrev" delay="0">
+                  <p:tgtEl>
+                    <p:sldTgt/>
+                  </p:tgtEl>
+                </p:cond>
+              </p:prevCondLst>
+              <p:nextCondLst>
+                <p:cond evt="onNext" delay="0">
+                  <p:tgtEl>
+                    <p:sldTgt/>
+                  </p:tgtEl>
+                </p:cond>
+              </p:nextCondLst>
+            </p:seq>
+            <p:audio isNarration="1">
+              <p:cMediaNode vol="80000" showWhenStopped="0">
+                <p:cTn id="7" fill="hold" display="0">
+                  <p:stCondLst>
+                    <p:cond delay="indefinite"/>
+                  </p:stCondLst>
+                  <p:endCondLst>
+                    <p:cond evt="onStopAudio" delay="0">
+                      <p:tgtEl>
+                        <p:sldTgt/>
+                      </p:tgtEl>
+                    </p:cond>
+                  </p:endCondLst>
+                </p:cTn>
+                <p:tgtEl>
+                  <p:spTgt spid="14"/>
+                </p:tgtEl>
+              </p:cMediaNode>
+            </p:audio>
+          </p:childTnLst>
+        </p:cTn>
+      </p:par>
+    </p:tnLst>
+  </p:timing>
 </p:sld>
 </file>
 
@@ -7471,6 +8853,43 @@
           </a:p>
         </p:txBody>
       </p:sp>
+      <p:pic>
+        <p:nvPicPr>
+          <p:cNvPr id="14" name="音频 13">
+            <a:extLst>
+              <a:ext uri="{FF2B5EF4-FFF2-40B4-BE49-F238E27FC236}">
+                <a16:creationId xmlns:a16="http://schemas.microsoft.com/office/drawing/2014/main" id="{F35ABB7D-1A91-9812-3DBD-1E361E6C03B7}"/>
+              </a:ext>
+            </a:extLst>
+          </p:cNvPr>
+          <p:cNvPicPr>
+            <a:picLocks noChangeAspect="1"/>
+          </p:cNvPicPr>
+          <p:nvPr>
+            <a:audioFile r:link="rId2"/>
+            <p:extLst>
+              <p:ext uri="{DAA4B4D4-6D71-4841-9C94-3DE7FCFB9230}">
+                <p14:media xmlns:p14="http://schemas.microsoft.com/office/powerpoint/2010/main" r:embed="rId1"/>
+              </p:ext>
+            </p:extLst>
+          </p:nvPr>
+        </p:nvPicPr>
+        <p:blipFill>
+          <a:blip r:embed="rId5"/>
+          <a:stretch>
+            <a:fillRect/>
+          </a:stretch>
+        </p:blipFill>
+        <p:spPr>
+          <a:xfrm>
+            <a:off x="8178800" y="5892800"/>
+            <a:ext cx="812800" cy="812800"/>
+          </a:xfrm>
+          <a:prstGeom prst="rect">
+            <a:avLst/>
+          </a:prstGeom>
+        </p:spPr>
+      </p:pic>
     </p:spTree>
     <p:extLst>
       <p:ext uri="{BB962C8B-B14F-4D97-AF65-F5344CB8AC3E}">
@@ -7481,6 +8900,101 @@
   <p:clrMapOvr>
     <a:masterClrMapping/>
   </p:clrMapOvr>
+  <mc:AlternateContent xmlns:mc="http://schemas.openxmlformats.org/markup-compatibility/2006" xmlns:p14="http://schemas.microsoft.com/office/powerpoint/2010/main">
+    <mc:Choice Requires="p14">
+      <p:transition spd="slow" p14:dur="2000" advTm="3087"/>
+    </mc:Choice>
+    <mc:Fallback xmlns="">
+      <p:transition spd="slow" advTm="3087"/>
+    </mc:Fallback>
+  </mc:AlternateContent>
+  <p:timing>
+    <p:tnLst>
+      <p:par>
+        <p:cTn id="1" dur="indefinite" restart="never" nodeType="tmRoot">
+          <p:childTnLst>
+            <p:seq concurrent="1" nextAc="seek">
+              <p:cTn id="2" dur="indefinite" nodeType="mainSeq">
+                <p:childTnLst>
+                  <p:par>
+                    <p:cTn id="3" fill="hold">
+                      <p:stCondLst>
+                        <p:cond delay="indefinite"/>
+                        <p:cond evt="onBegin" delay="0">
+                          <p:tn val="2"/>
+                        </p:cond>
+                      </p:stCondLst>
+                      <p:childTnLst>
+                        <p:par>
+                          <p:cTn id="4" fill="hold">
+                            <p:stCondLst>
+                              <p:cond delay="0"/>
+                            </p:stCondLst>
+                            <p:childTnLst>
+                              <p:par>
+                                <p:cTn id="5" presetID="1" presetClass="mediacall" presetSubtype="0" fill="hold" nodeType="afterEffect">
+                                  <p:stCondLst>
+                                    <p:cond delay="0"/>
+                                  </p:stCondLst>
+                                  <p:childTnLst>
+                                    <p:cmd type="call" cmd="playFrom(0.0)">
+                                      <p:cBhvr>
+                                        <p:cTn id="6" dur="1" fill="hold"/>
+                                        <p:tgtEl>
+                                          <p:spTgt spid="14"/>
+                                        </p:tgtEl>
+                                      </p:cBhvr>
+                                    </p:cmd>
+                                  </p:childTnLst>
+                                </p:cTn>
+                              </p:par>
+                            </p:childTnLst>
+                          </p:cTn>
+                        </p:par>
+                      </p:childTnLst>
+                    </p:cTn>
+                  </p:par>
+                </p:childTnLst>
+              </p:cTn>
+              <p:prevCondLst>
+                <p:cond evt="onPrev" delay="0">
+                  <p:tgtEl>
+                    <p:sldTgt/>
+                  </p:tgtEl>
+                </p:cond>
+              </p:prevCondLst>
+              <p:nextCondLst>
+                <p:cond evt="onNext" delay="0">
+                  <p:tgtEl>
+                    <p:sldTgt/>
+                  </p:tgtEl>
+                </p:cond>
+              </p:nextCondLst>
+            </p:seq>
+            <p:audio isNarration="1">
+              <p:cMediaNode vol="80000" showWhenStopped="0">
+                <p:cTn id="7" fill="hold" display="0">
+                  <p:stCondLst>
+                    <p:cond delay="indefinite"/>
+                  </p:stCondLst>
+                  <p:endCondLst>
+                    <p:cond evt="onStopAudio" delay="0">
+                      <p:tgtEl>
+                        <p:sldTgt/>
+                      </p:tgtEl>
+                    </p:cond>
+                  </p:endCondLst>
+                </p:cTn>
+                <p:tgtEl>
+                  <p:spTgt spid="14"/>
+                </p:tgtEl>
+              </p:cMediaNode>
+            </p:audio>
+          </p:childTnLst>
+        </p:cTn>
+      </p:par>
+    </p:tnLst>
+  </p:timing>
 </p:sld>
 </file>
 
@@ -7776,6 +9290,43 @@
           </a:p>
         </p:txBody>
       </p:sp>
+      <p:pic>
+        <p:nvPicPr>
+          <p:cNvPr id="14" name="音频 13">
+            <a:extLst>
+              <a:ext uri="{FF2B5EF4-FFF2-40B4-BE49-F238E27FC236}">
+                <a16:creationId xmlns:a16="http://schemas.microsoft.com/office/drawing/2014/main" id="{80705FE2-C9DE-3ECC-CF65-7955DC267896}"/>
+              </a:ext>
+            </a:extLst>
+          </p:cNvPr>
+          <p:cNvPicPr>
+            <a:picLocks noChangeAspect="1"/>
+          </p:cNvPicPr>
+          <p:nvPr>
+            <a:audioFile r:link="rId2"/>
+            <p:extLst>
+              <p:ext uri="{DAA4B4D4-6D71-4841-9C94-3DE7FCFB9230}">
+                <p14:media xmlns:p14="http://schemas.microsoft.com/office/powerpoint/2010/main" r:embed="rId1"/>
+              </p:ext>
+            </p:extLst>
+          </p:nvPr>
+        </p:nvPicPr>
+        <p:blipFill>
+          <a:blip r:embed="rId5"/>
+          <a:stretch>
+            <a:fillRect/>
+          </a:stretch>
+        </p:blipFill>
+        <p:spPr>
+          <a:xfrm>
+            <a:off x="8178800" y="5892800"/>
+            <a:ext cx="812800" cy="812800"/>
+          </a:xfrm>
+          <a:prstGeom prst="rect">
+            <a:avLst/>
+          </a:prstGeom>
+        </p:spPr>
+      </p:pic>
     </p:spTree>
     <p:extLst>
       <p:ext uri="{BB962C8B-B14F-4D97-AF65-F5344CB8AC3E}">
@@ -7786,7 +9337,114 @@
   <p:clrMapOvr>
     <a:masterClrMapping/>
   </p:clrMapOvr>
+  <mc:AlternateContent xmlns:mc="http://schemas.openxmlformats.org/markup-compatibility/2006" xmlns:p14="http://schemas.microsoft.com/office/powerpoint/2010/main">
+    <mc:Choice Requires="p14">
+      <p:transition spd="slow" p14:dur="2000" advTm="3030"/>
+    </mc:Choice>
+    <mc:Fallback xmlns="">
+      <p:transition spd="slow" advTm="3030"/>
+    </mc:Fallback>
+  </mc:AlternateContent>
+  <p:timing>
+    <p:tnLst>
+      <p:par>
+        <p:cTn id="1" dur="indefinite" restart="never" nodeType="tmRoot">
+          <p:childTnLst>
+            <p:seq concurrent="1" nextAc="seek">
+              <p:cTn id="2" dur="indefinite" nodeType="mainSeq">
+                <p:childTnLst>
+                  <p:par>
+                    <p:cTn id="3" fill="hold">
+                      <p:stCondLst>
+                        <p:cond delay="indefinite"/>
+                        <p:cond evt="onBegin" delay="0">
+                          <p:tn val="2"/>
+                        </p:cond>
+                      </p:stCondLst>
+                      <p:childTnLst>
+                        <p:par>
+                          <p:cTn id="4" fill="hold">
+                            <p:stCondLst>
+                              <p:cond delay="0"/>
+                            </p:stCondLst>
+                            <p:childTnLst>
+                              <p:par>
+                                <p:cTn id="5" presetID="1" presetClass="mediacall" presetSubtype="0" fill="hold" nodeType="afterEffect">
+                                  <p:stCondLst>
+                                    <p:cond delay="0"/>
+                                  </p:stCondLst>
+                                  <p:childTnLst>
+                                    <p:cmd type="call" cmd="playFrom(0.0)">
+                                      <p:cBhvr>
+                                        <p:cTn id="6" dur="1" fill="hold"/>
+                                        <p:tgtEl>
+                                          <p:spTgt spid="14"/>
+                                        </p:tgtEl>
+                                      </p:cBhvr>
+                                    </p:cmd>
+                                  </p:childTnLst>
+                                </p:cTn>
+                              </p:par>
+                            </p:childTnLst>
+                          </p:cTn>
+                        </p:par>
+                      </p:childTnLst>
+                    </p:cTn>
+                  </p:par>
+                </p:childTnLst>
+              </p:cTn>
+              <p:prevCondLst>
+                <p:cond evt="onPrev" delay="0">
+                  <p:tgtEl>
+                    <p:sldTgt/>
+                  </p:tgtEl>
+                </p:cond>
+              </p:prevCondLst>
+              <p:nextCondLst>
+                <p:cond evt="onNext" delay="0">
+                  <p:tgtEl>
+                    <p:sldTgt/>
+                  </p:tgtEl>
+                </p:cond>
+              </p:nextCondLst>
+            </p:seq>
+            <p:audio isNarration="1">
+              <p:cMediaNode vol="80000" showWhenStopped="0">
+                <p:cTn id="7" fill="hold" display="0">
+                  <p:stCondLst>
+                    <p:cond delay="indefinite"/>
+                  </p:stCondLst>
+                  <p:endCondLst>
+                    <p:cond evt="onStopAudio" delay="0">
+                      <p:tgtEl>
+                        <p:sldTgt/>
+                      </p:tgtEl>
+                    </p:cond>
+                  </p:endCondLst>
+                </p:cTn>
+                <p:tgtEl>
+                  <p:spTgt spid="14"/>
+                </p:tgtEl>
+              </p:cMediaNode>
+            </p:audio>
+          </p:childTnLst>
+        </p:cTn>
+      </p:par>
+    </p:tnLst>
+  </p:timing>
 </p:sld>
+</file>
+
+<file path=ppt/tags/tag1.xml><?xml version="1.0" encoding="utf-8"?>
+<p:tagLst xmlns:a="http://schemas.openxmlformats.org/drawingml/2006/main" xmlns:r="http://schemas.openxmlformats.org/officeDocument/2006/relationships" xmlns:p="http://schemas.openxmlformats.org/presentationml/2006/main">
+  <p:tag name="TIMING" val="|6"/>
+</p:tagLst>
+</file>
+
+<file path=ppt/tags/tag2.xml><?xml version="1.0" encoding="utf-8"?>
+<p:tagLst xmlns:a="http://schemas.openxmlformats.org/drawingml/2006/main" xmlns:r="http://schemas.openxmlformats.org/officeDocument/2006/relationships" xmlns:p="http://schemas.openxmlformats.org/presentationml/2006/main">
+  <p:tag name="TIMING" val="|14.8|0.6"/>
+</p:tagLst>
 </file>
 
 <file path=ppt/theme/theme1.xml><?xml version="1.0" encoding="utf-8"?>
